--- a/其他/马拉松/马拉松.pptx
+++ b/其他/马拉松/马拉松.pptx
@@ -6,12 +6,22 @@
   </p:sldMasterIdLst>
   <p:sldIdLst>
     <p:sldId id="256" r:id="rId2"/>
-    <p:sldId id="257" r:id="rId3"/>
-    <p:sldId id="258" r:id="rId4"/>
-    <p:sldId id="259" r:id="rId5"/>
-    <p:sldId id="260" r:id="rId6"/>
-    <p:sldId id="262" r:id="rId7"/>
-    <p:sldId id="261" r:id="rId8"/>
+    <p:sldId id="263" r:id="rId3"/>
+    <p:sldId id="264" r:id="rId4"/>
+    <p:sldId id="265" r:id="rId5"/>
+    <p:sldId id="257" r:id="rId6"/>
+    <p:sldId id="266" r:id="rId7"/>
+    <p:sldId id="268" r:id="rId8"/>
+    <p:sldId id="269" r:id="rId9"/>
+    <p:sldId id="267" r:id="rId10"/>
+    <p:sldId id="270" r:id="rId11"/>
+    <p:sldId id="272" r:id="rId12"/>
+    <p:sldId id="258" r:id="rId13"/>
+    <p:sldId id="280" r:id="rId14"/>
+    <p:sldId id="281" r:id="rId15"/>
+    <p:sldId id="277" r:id="rId16"/>
+    <p:sldId id="278" r:id="rId17"/>
+    <p:sldId id="262" r:id="rId18"/>
   </p:sldIdLst>
   <p:sldSz cx="12192000" cy="6858000"/>
   <p:notesSz cx="6858000" cy="9144000"/>
@@ -2977,6 +2987,773 @@
       </p:grpSpPr>
       <p:pic>
         <p:nvPicPr>
+          <p:cNvPr id="4" name="图片 3" descr="ea02z95f.jpg"/>
+          <p:cNvPicPr/>
+          <p:nvPr/>
+        </p:nvPicPr>
+        <p:blipFill>
+          <a:blip r:embed="rId2">
+            <a:extLst>
+              <a:ext uri="{28A0092B-C50C-407E-A947-70E740481C1C}">
+                <a14:useLocalDpi xmlns:a14="http://schemas.microsoft.com/office/drawing/2010/main" val="0"/>
+              </a:ext>
+            </a:extLst>
+          </a:blip>
+          <a:srcRect/>
+          <a:stretch>
+            <a:fillRect/>
+          </a:stretch>
+        </p:blipFill>
+        <p:spPr bwMode="auto">
+          <a:xfrm>
+            <a:off x="1414729" y="573208"/>
+            <a:ext cx="8692567" cy="5750782"/>
+          </a:xfrm>
+          <a:prstGeom prst="rect">
+            <a:avLst/>
+          </a:prstGeom>
+          <a:noFill/>
+          <a:ln>
+            <a:noFill/>
+          </a:ln>
+        </p:spPr>
+      </p:pic>
+    </p:spTree>
+    <p:extLst>
+      <p:ext uri="{BB962C8B-B14F-4D97-AF65-F5344CB8AC3E}">
+        <p14:creationId xmlns:p14="http://schemas.microsoft.com/office/powerpoint/2010/main" val="1542672082"/>
+      </p:ext>
+    </p:extLst>
+  </p:cSld>
+  <p:clrMapOvr>
+    <a:masterClrMapping/>
+  </p:clrMapOvr>
+  <p:timing>
+    <p:tnLst>
+      <p:par>
+        <p:cTn id="1" dur="indefinite" restart="never" nodeType="tmRoot"/>
+      </p:par>
+    </p:tnLst>
+  </p:timing>
+</p:sld>
+</file>
+
+<file path=ppt/slides/slide10.xml><?xml version="1.0" encoding="utf-8"?>
+<p:sld xmlns:a="http://schemas.openxmlformats.org/drawingml/2006/main" xmlns:r="http://schemas.openxmlformats.org/officeDocument/2006/relationships" xmlns:p="http://schemas.openxmlformats.org/presentationml/2006/main">
+  <p:cSld>
+    <p:spTree>
+      <p:nvGrpSpPr>
+        <p:cNvPr id="1" name=""/>
+        <p:cNvGrpSpPr/>
+        <p:nvPr/>
+      </p:nvGrpSpPr>
+      <p:grpSpPr>
+        <a:xfrm>
+          <a:off x="0" y="0"/>
+          <a:ext cx="0" cy="0"/>
+          <a:chOff x="0" y="0"/>
+          <a:chExt cx="0" cy="0"/>
+        </a:xfrm>
+      </p:grpSpPr>
+      <p:pic>
+        <p:nvPicPr>
+          <p:cNvPr id="3" name="图片 2" descr="北马.jpg"/>
+          <p:cNvPicPr/>
+          <p:nvPr/>
+        </p:nvPicPr>
+        <p:blipFill>
+          <a:blip r:embed="rId2">
+            <a:extLst>
+              <a:ext uri="{28A0092B-C50C-407E-A947-70E740481C1C}">
+                <a14:useLocalDpi xmlns:a14="http://schemas.microsoft.com/office/drawing/2010/main" val="0"/>
+              </a:ext>
+            </a:extLst>
+          </a:blip>
+          <a:srcRect/>
+          <a:stretch>
+            <a:fillRect/>
+          </a:stretch>
+        </p:blipFill>
+        <p:spPr bwMode="auto">
+          <a:xfrm>
+            <a:off x="1028686" y="914401"/>
+            <a:ext cx="9753046" cy="4162567"/>
+          </a:xfrm>
+          <a:prstGeom prst="rect">
+            <a:avLst/>
+          </a:prstGeom>
+          <a:noFill/>
+          <a:ln>
+            <a:noFill/>
+          </a:ln>
+        </p:spPr>
+      </p:pic>
+    </p:spTree>
+    <p:extLst>
+      <p:ext uri="{BB962C8B-B14F-4D97-AF65-F5344CB8AC3E}">
+        <p14:creationId xmlns:p14="http://schemas.microsoft.com/office/powerpoint/2010/main" val="1468553503"/>
+      </p:ext>
+    </p:extLst>
+  </p:cSld>
+  <p:clrMapOvr>
+    <a:masterClrMapping/>
+  </p:clrMapOvr>
+  <p:timing>
+    <p:tnLst>
+      <p:par>
+        <p:cTn id="1" dur="indefinite" restart="never" nodeType="tmRoot"/>
+      </p:par>
+    </p:tnLst>
+  </p:timing>
+</p:sld>
+</file>
+
+<file path=ppt/slides/slide11.xml><?xml version="1.0" encoding="utf-8"?>
+<p:sld xmlns:a="http://schemas.openxmlformats.org/drawingml/2006/main" xmlns:r="http://schemas.openxmlformats.org/officeDocument/2006/relationships" xmlns:p="http://schemas.openxmlformats.org/presentationml/2006/main">
+  <p:cSld>
+    <p:spTree>
+      <p:nvGrpSpPr>
+        <p:cNvPr id="1" name=""/>
+        <p:cNvGrpSpPr/>
+        <p:nvPr/>
+      </p:nvGrpSpPr>
+      <p:grpSpPr>
+        <a:xfrm>
+          <a:off x="0" y="0"/>
+          <a:ext cx="0" cy="0"/>
+          <a:chOff x="0" y="0"/>
+          <a:chExt cx="0" cy="0"/>
+        </a:xfrm>
+      </p:grpSpPr>
+      <p:pic>
+        <p:nvPicPr>
+          <p:cNvPr id="5" name="图片 4" descr="国内近年场次.jpg"/>
+          <p:cNvPicPr/>
+          <p:nvPr/>
+        </p:nvPicPr>
+        <p:blipFill>
+          <a:blip r:embed="rId2">
+            <a:extLst>
+              <a:ext uri="{28A0092B-C50C-407E-A947-70E740481C1C}">
+                <a14:useLocalDpi xmlns:a14="http://schemas.microsoft.com/office/drawing/2010/main" val="0"/>
+              </a:ext>
+            </a:extLst>
+          </a:blip>
+          <a:srcRect/>
+          <a:stretch>
+            <a:fillRect/>
+          </a:stretch>
+        </p:blipFill>
+        <p:spPr bwMode="auto">
+          <a:xfrm>
+            <a:off x="1549603" y="1419855"/>
+            <a:ext cx="8660049" cy="3152146"/>
+          </a:xfrm>
+          <a:prstGeom prst="rect">
+            <a:avLst/>
+          </a:prstGeom>
+          <a:noFill/>
+          <a:ln>
+            <a:noFill/>
+          </a:ln>
+        </p:spPr>
+      </p:pic>
+    </p:spTree>
+    <p:extLst>
+      <p:ext uri="{BB962C8B-B14F-4D97-AF65-F5344CB8AC3E}">
+        <p14:creationId xmlns:p14="http://schemas.microsoft.com/office/powerpoint/2010/main" val="1380377888"/>
+      </p:ext>
+    </p:extLst>
+  </p:cSld>
+  <p:clrMapOvr>
+    <a:masterClrMapping/>
+  </p:clrMapOvr>
+  <p:timing>
+    <p:tnLst>
+      <p:par>
+        <p:cTn id="1" dur="indefinite" restart="never" nodeType="tmRoot"/>
+      </p:par>
+    </p:tnLst>
+  </p:timing>
+</p:sld>
+</file>
+
+<file path=ppt/slides/slide12.xml><?xml version="1.0" encoding="utf-8"?>
+<p:sld xmlns:a="http://schemas.openxmlformats.org/drawingml/2006/main" xmlns:r="http://schemas.openxmlformats.org/officeDocument/2006/relationships" xmlns:p="http://schemas.openxmlformats.org/presentationml/2006/main">
+  <p:cSld>
+    <p:spTree>
+      <p:nvGrpSpPr>
+        <p:cNvPr id="1" name=""/>
+        <p:cNvGrpSpPr/>
+        <p:nvPr/>
+      </p:nvGrpSpPr>
+      <p:grpSpPr>
+        <a:xfrm>
+          <a:off x="0" y="0"/>
+          <a:ext cx="0" cy="0"/>
+          <a:chOff x="0" y="0"/>
+          <a:chExt cx="0" cy="0"/>
+        </a:xfrm>
+      </p:grpSpPr>
+      <p:pic>
+        <p:nvPicPr>
+          <p:cNvPr id="3" name="图片 2" descr="http://photocdn.sohu.com/20160323/Img441754868.jpg"/>
+          <p:cNvPicPr/>
+          <p:nvPr/>
+        </p:nvPicPr>
+        <p:blipFill>
+          <a:blip r:embed="rId2">
+            <a:extLst>
+              <a:ext uri="{28A0092B-C50C-407E-A947-70E740481C1C}">
+                <a14:useLocalDpi xmlns:a14="http://schemas.microsoft.com/office/drawing/2010/main" val="0"/>
+              </a:ext>
+            </a:extLst>
+          </a:blip>
+          <a:srcRect/>
+          <a:stretch>
+            <a:fillRect/>
+          </a:stretch>
+        </p:blipFill>
+        <p:spPr bwMode="auto">
+          <a:xfrm>
+            <a:off x="493394" y="354843"/>
+            <a:ext cx="4861586" cy="4142152"/>
+          </a:xfrm>
+          <a:prstGeom prst="rect">
+            <a:avLst/>
+          </a:prstGeom>
+          <a:noFill/>
+          <a:ln>
+            <a:noFill/>
+          </a:ln>
+        </p:spPr>
+      </p:pic>
+      <p:pic>
+        <p:nvPicPr>
+          <p:cNvPr id="4" name="图片 3" descr="http://photocdn.sohu.com/20160323/Img441754870.jpg"/>
+          <p:cNvPicPr/>
+          <p:nvPr/>
+        </p:nvPicPr>
+        <p:blipFill>
+          <a:blip r:embed="rId3">
+            <a:extLst>
+              <a:ext uri="{28A0092B-C50C-407E-A947-70E740481C1C}">
+                <a14:useLocalDpi xmlns:a14="http://schemas.microsoft.com/office/drawing/2010/main" val="0"/>
+              </a:ext>
+            </a:extLst>
+          </a:blip>
+          <a:srcRect/>
+          <a:stretch>
+            <a:fillRect/>
+          </a:stretch>
+        </p:blipFill>
+        <p:spPr bwMode="auto">
+          <a:xfrm>
+            <a:off x="5991367" y="845724"/>
+            <a:ext cx="4705620" cy="5825595"/>
+          </a:xfrm>
+          <a:prstGeom prst="rect">
+            <a:avLst/>
+          </a:prstGeom>
+          <a:noFill/>
+          <a:ln>
+            <a:noFill/>
+          </a:ln>
+        </p:spPr>
+      </p:pic>
+    </p:spTree>
+    <p:extLst>
+      <p:ext uri="{BB962C8B-B14F-4D97-AF65-F5344CB8AC3E}">
+        <p14:creationId xmlns:p14="http://schemas.microsoft.com/office/powerpoint/2010/main" val="3892171225"/>
+      </p:ext>
+    </p:extLst>
+  </p:cSld>
+  <p:clrMapOvr>
+    <a:masterClrMapping/>
+  </p:clrMapOvr>
+  <p:timing>
+    <p:tnLst>
+      <p:par>
+        <p:cTn id="1" dur="indefinite" restart="never" nodeType="tmRoot"/>
+      </p:par>
+    </p:tnLst>
+  </p:timing>
+</p:sld>
+</file>
+
+<file path=ppt/slides/slide13.xml><?xml version="1.0" encoding="utf-8"?>
+<p:sld xmlns:a="http://schemas.openxmlformats.org/drawingml/2006/main" xmlns:r="http://schemas.openxmlformats.org/officeDocument/2006/relationships" xmlns:p="http://schemas.openxmlformats.org/presentationml/2006/main">
+  <p:cSld>
+    <p:spTree>
+      <p:nvGrpSpPr>
+        <p:cNvPr id="1" name=""/>
+        <p:cNvGrpSpPr/>
+        <p:nvPr/>
+      </p:nvGrpSpPr>
+      <p:grpSpPr>
+        <a:xfrm>
+          <a:off x="0" y="0"/>
+          <a:ext cx="0" cy="0"/>
+          <a:chOff x="0" y="0"/>
+          <a:chExt cx="0" cy="0"/>
+        </a:xfrm>
+      </p:grpSpPr>
+      <p:pic>
+        <p:nvPicPr>
+          <p:cNvPr id="2050" name="Picture 2" descr="http://s4.sinaimg.cn/large/62c68bffta3eb60d860c3&amp;690"/>
+          <p:cNvPicPr>
+            <a:picLocks noChangeAspect="1" noChangeArrowheads="1"/>
+          </p:cNvPicPr>
+          <p:nvPr/>
+        </p:nvPicPr>
+        <p:blipFill>
+          <a:blip r:embed="rId2">
+            <a:extLst>
+              <a:ext uri="{28A0092B-C50C-407E-A947-70E740481C1C}">
+                <a14:useLocalDpi xmlns:a14="http://schemas.microsoft.com/office/drawing/2010/main" val="0"/>
+              </a:ext>
+            </a:extLst>
+          </a:blip>
+          <a:srcRect/>
+          <a:stretch>
+            <a:fillRect/>
+          </a:stretch>
+        </p:blipFill>
+        <p:spPr bwMode="auto">
+          <a:xfrm>
+            <a:off x="290108" y="504968"/>
+            <a:ext cx="5697214" cy="2970614"/>
+          </a:xfrm>
+          <a:prstGeom prst="rect">
+            <a:avLst/>
+          </a:prstGeom>
+          <a:noFill/>
+          <a:extLst>
+            <a:ext uri="{909E8E84-426E-40DD-AFC4-6F175D3DCCD1}">
+              <a14:hiddenFill xmlns:a14="http://schemas.microsoft.com/office/drawing/2010/main">
+                <a:solidFill>
+                  <a:srgbClr val="FFFFFF"/>
+                </a:solidFill>
+              </a14:hiddenFill>
+            </a:ext>
+          </a:extLst>
+        </p:spPr>
+      </p:pic>
+      <p:pic>
+        <p:nvPicPr>
+          <p:cNvPr id="2052" name="Picture 4" descr="http://s5.sinaimg.cn/large/62c68bffta3eb6b28fe94&amp;690"/>
+          <p:cNvPicPr>
+            <a:picLocks noChangeAspect="1" noChangeArrowheads="1"/>
+          </p:cNvPicPr>
+          <p:nvPr/>
+        </p:nvPicPr>
+        <p:blipFill>
+          <a:blip r:embed="rId3">
+            <a:extLst>
+              <a:ext uri="{28A0092B-C50C-407E-A947-70E740481C1C}">
+                <a14:useLocalDpi xmlns:a14="http://schemas.microsoft.com/office/drawing/2010/main" val="0"/>
+              </a:ext>
+            </a:extLst>
+          </a:blip>
+          <a:srcRect/>
+          <a:stretch>
+            <a:fillRect/>
+          </a:stretch>
+        </p:blipFill>
+        <p:spPr bwMode="auto">
+          <a:xfrm>
+            <a:off x="6119646" y="2537866"/>
+            <a:ext cx="5715000" cy="3876676"/>
+          </a:xfrm>
+          <a:prstGeom prst="rect">
+            <a:avLst/>
+          </a:prstGeom>
+          <a:noFill/>
+          <a:extLst>
+            <a:ext uri="{909E8E84-426E-40DD-AFC4-6F175D3DCCD1}">
+              <a14:hiddenFill xmlns:a14="http://schemas.microsoft.com/office/drawing/2010/main">
+                <a:solidFill>
+                  <a:srgbClr val="FFFFFF"/>
+                </a:solidFill>
+              </a14:hiddenFill>
+            </a:ext>
+          </a:extLst>
+        </p:spPr>
+      </p:pic>
+    </p:spTree>
+    <p:extLst>
+      <p:ext uri="{BB962C8B-B14F-4D97-AF65-F5344CB8AC3E}">
+        <p14:creationId xmlns:p14="http://schemas.microsoft.com/office/powerpoint/2010/main" val="2075549871"/>
+      </p:ext>
+    </p:extLst>
+  </p:cSld>
+  <p:clrMapOvr>
+    <a:masterClrMapping/>
+  </p:clrMapOvr>
+  <p:timing>
+    <p:tnLst>
+      <p:par>
+        <p:cTn id="1" dur="indefinite" restart="never" nodeType="tmRoot"/>
+      </p:par>
+    </p:tnLst>
+  </p:timing>
+</p:sld>
+</file>
+
+<file path=ppt/slides/slide14.xml><?xml version="1.0" encoding="utf-8"?>
+<p:sld xmlns:a="http://schemas.openxmlformats.org/drawingml/2006/main" xmlns:r="http://schemas.openxmlformats.org/officeDocument/2006/relationships" xmlns:p="http://schemas.openxmlformats.org/presentationml/2006/main">
+  <p:cSld>
+    <p:spTree>
+      <p:nvGrpSpPr>
+        <p:cNvPr id="1" name=""/>
+        <p:cNvGrpSpPr/>
+        <p:nvPr/>
+      </p:nvGrpSpPr>
+      <p:grpSpPr>
+        <a:xfrm>
+          <a:off x="0" y="0"/>
+          <a:ext cx="0" cy="0"/>
+          <a:chOff x="0" y="0"/>
+          <a:chExt cx="0" cy="0"/>
+        </a:xfrm>
+      </p:grpSpPr>
+      <p:sp>
+        <p:nvSpPr>
+          <p:cNvPr id="7" name="矩形 6"/>
+          <p:cNvSpPr/>
+          <p:nvPr/>
+        </p:nvSpPr>
+        <p:spPr>
+          <a:xfrm>
+            <a:off x="4270687" y="2343582"/>
+            <a:ext cx="3877985" cy="830997"/>
+          </a:xfrm>
+          <a:prstGeom prst="rect">
+            <a:avLst/>
+          </a:prstGeom>
+        </p:spPr>
+        <p:txBody>
+          <a:bodyPr wrap="none">
+            <a:spAutoFit/>
+          </a:bodyPr>
+          <a:lstStyle/>
+          <a:p>
+            <a:r>
+              <a:rPr lang="zh-CN" altLang="en-US" sz="4800" dirty="0"/>
+              <a:t>最牛逼的亚军</a:t>
+            </a:r>
+            <a:endParaRPr lang="zh-CN" altLang="en-US" sz="4800" b="1" dirty="0">
+              <a:solidFill>
+                <a:srgbClr val="2B2B2B"/>
+              </a:solidFill>
+              <a:latin typeface="宋体" panose="02010600030101010101" pitchFamily="2" charset="-122"/>
+            </a:endParaRPr>
+          </a:p>
+        </p:txBody>
+      </p:sp>
+    </p:spTree>
+    <p:extLst>
+      <p:ext uri="{BB962C8B-B14F-4D97-AF65-F5344CB8AC3E}">
+        <p14:creationId xmlns:p14="http://schemas.microsoft.com/office/powerpoint/2010/main" val="2334222729"/>
+      </p:ext>
+    </p:extLst>
+  </p:cSld>
+  <p:clrMapOvr>
+    <a:masterClrMapping/>
+  </p:clrMapOvr>
+  <p:timing>
+    <p:tnLst>
+      <p:par>
+        <p:cTn id="1" dur="indefinite" restart="never" nodeType="tmRoot"/>
+      </p:par>
+    </p:tnLst>
+  </p:timing>
+</p:sld>
+</file>
+
+<file path=ppt/slides/slide15.xml><?xml version="1.0" encoding="utf-8"?>
+<p:sld xmlns:a="http://schemas.openxmlformats.org/drawingml/2006/main" xmlns:r="http://schemas.openxmlformats.org/officeDocument/2006/relationships" xmlns:p="http://schemas.openxmlformats.org/presentationml/2006/main">
+  <p:cSld>
+    <p:spTree>
+      <p:nvGrpSpPr>
+        <p:cNvPr id="1" name=""/>
+        <p:cNvGrpSpPr/>
+        <p:nvPr/>
+      </p:nvGrpSpPr>
+      <p:grpSpPr>
+        <a:xfrm>
+          <a:off x="0" y="0"/>
+          <a:ext cx="0" cy="0"/>
+          <a:chOff x="0" y="0"/>
+          <a:chExt cx="0" cy="0"/>
+        </a:xfrm>
+      </p:grpSpPr>
+      <p:pic>
+        <p:nvPicPr>
+          <p:cNvPr id="3" name="图片 2" descr="西马logo.png"/>
+          <p:cNvPicPr/>
+          <p:nvPr/>
+        </p:nvPicPr>
+        <p:blipFill>
+          <a:blip r:embed="rId2">
+            <a:extLst>
+              <a:ext uri="{28A0092B-C50C-407E-A947-70E740481C1C}">
+                <a14:useLocalDpi xmlns:a14="http://schemas.microsoft.com/office/drawing/2010/main" val="0"/>
+              </a:ext>
+            </a:extLst>
+          </a:blip>
+          <a:srcRect/>
+          <a:stretch>
+            <a:fillRect/>
+          </a:stretch>
+        </p:blipFill>
+        <p:spPr bwMode="auto">
+          <a:xfrm>
+            <a:off x="2447335" y="286604"/>
+            <a:ext cx="6819495" cy="1217924"/>
+          </a:xfrm>
+          <a:prstGeom prst="rect">
+            <a:avLst/>
+          </a:prstGeom>
+          <a:noFill/>
+          <a:ln>
+            <a:noFill/>
+          </a:ln>
+        </p:spPr>
+      </p:pic>
+      <p:pic>
+        <p:nvPicPr>
+          <p:cNvPr id="4" name="图片 3" descr="qd3dx7b5.png"/>
+          <p:cNvPicPr/>
+          <p:nvPr/>
+        </p:nvPicPr>
+        <p:blipFill>
+          <a:blip r:embed="rId3">
+            <a:extLst>
+              <a:ext uri="{28A0092B-C50C-407E-A947-70E740481C1C}">
+                <a14:useLocalDpi xmlns:a14="http://schemas.microsoft.com/office/drawing/2010/main" val="0"/>
+              </a:ext>
+            </a:extLst>
+          </a:blip>
+          <a:srcRect/>
+          <a:stretch>
+            <a:fillRect/>
+          </a:stretch>
+        </p:blipFill>
+        <p:spPr bwMode="auto">
+          <a:xfrm>
+            <a:off x="972898" y="1705972"/>
+            <a:ext cx="10427089" cy="4793302"/>
+          </a:xfrm>
+          <a:prstGeom prst="rect">
+            <a:avLst/>
+          </a:prstGeom>
+          <a:noFill/>
+          <a:ln>
+            <a:noFill/>
+          </a:ln>
+        </p:spPr>
+      </p:pic>
+    </p:spTree>
+    <p:extLst>
+      <p:ext uri="{BB962C8B-B14F-4D97-AF65-F5344CB8AC3E}">
+        <p14:creationId xmlns:p14="http://schemas.microsoft.com/office/powerpoint/2010/main" val="1238029224"/>
+      </p:ext>
+    </p:extLst>
+  </p:cSld>
+  <p:clrMapOvr>
+    <a:masterClrMapping/>
+  </p:clrMapOvr>
+  <p:timing>
+    <p:tnLst>
+      <p:par>
+        <p:cTn id="1" dur="indefinite" restart="never" nodeType="tmRoot"/>
+      </p:par>
+    </p:tnLst>
+  </p:timing>
+</p:sld>
+</file>
+
+<file path=ppt/slides/slide16.xml><?xml version="1.0" encoding="utf-8"?>
+<p:sld xmlns:a="http://schemas.openxmlformats.org/drawingml/2006/main" xmlns:r="http://schemas.openxmlformats.org/officeDocument/2006/relationships" xmlns:p="http://schemas.openxmlformats.org/presentationml/2006/main">
+  <p:cSld>
+    <p:spTree>
+      <p:nvGrpSpPr>
+        <p:cNvPr id="1" name=""/>
+        <p:cNvGrpSpPr/>
+        <p:nvPr/>
+      </p:nvGrpSpPr>
+      <p:grpSpPr>
+        <a:xfrm>
+          <a:off x="0" y="0"/>
+          <a:ext cx="0" cy="0"/>
+          <a:chOff x="0" y="0"/>
+          <a:chExt cx="0" cy="0"/>
+        </a:xfrm>
+      </p:grpSpPr>
+      <p:pic>
+        <p:nvPicPr>
+          <p:cNvPr id="2" name="图片 1"/>
+          <p:cNvPicPr>
+            <a:picLocks noChangeAspect="1"/>
+          </p:cNvPicPr>
+          <p:nvPr/>
+        </p:nvPicPr>
+        <p:blipFill>
+          <a:blip r:embed="rId2">
+            <a:extLst>
+              <a:ext uri="{28A0092B-C50C-407E-A947-70E740481C1C}">
+                <a14:useLocalDpi xmlns:a14="http://schemas.microsoft.com/office/drawing/2010/main" val="0"/>
+              </a:ext>
+            </a:extLst>
+          </a:blip>
+          <a:stretch>
+            <a:fillRect/>
+          </a:stretch>
+        </p:blipFill>
+        <p:spPr>
+          <a:xfrm>
+            <a:off x="3370203" y="259306"/>
+            <a:ext cx="4795707" cy="6462215"/>
+          </a:xfrm>
+          <a:prstGeom prst="rect">
+            <a:avLst/>
+          </a:prstGeom>
+        </p:spPr>
+      </p:pic>
+    </p:spTree>
+    <p:extLst>
+      <p:ext uri="{BB962C8B-B14F-4D97-AF65-F5344CB8AC3E}">
+        <p14:creationId xmlns:p14="http://schemas.microsoft.com/office/powerpoint/2010/main" val="116755829"/>
+      </p:ext>
+    </p:extLst>
+  </p:cSld>
+  <p:clrMapOvr>
+    <a:masterClrMapping/>
+  </p:clrMapOvr>
+  <p:timing>
+    <p:tnLst>
+      <p:par>
+        <p:cTn id="1" dur="indefinite" restart="never" nodeType="tmRoot"/>
+      </p:par>
+    </p:tnLst>
+  </p:timing>
+</p:sld>
+</file>
+
+<file path=ppt/slides/slide17.xml><?xml version="1.0" encoding="utf-8"?>
+<p:sld xmlns:a="http://schemas.openxmlformats.org/drawingml/2006/main" xmlns:r="http://schemas.openxmlformats.org/officeDocument/2006/relationships" xmlns:p="http://schemas.openxmlformats.org/presentationml/2006/main">
+  <p:cSld>
+    <p:spTree>
+      <p:nvGrpSpPr>
+        <p:cNvPr id="1" name=""/>
+        <p:cNvGrpSpPr/>
+        <p:nvPr/>
+      </p:nvGrpSpPr>
+      <p:grpSpPr>
+        <a:xfrm>
+          <a:off x="0" y="0"/>
+          <a:ext cx="0" cy="0"/>
+          <a:chOff x="0" y="0"/>
+          <a:chExt cx="0" cy="0"/>
+        </a:xfrm>
+      </p:grpSpPr>
+      <p:sp>
+        <p:nvSpPr>
+          <p:cNvPr id="7" name="矩形 6"/>
+          <p:cNvSpPr/>
+          <p:nvPr/>
+        </p:nvSpPr>
+        <p:spPr>
+          <a:xfrm>
+            <a:off x="1644194" y="2507356"/>
+            <a:ext cx="9248045" cy="584775"/>
+          </a:xfrm>
+          <a:prstGeom prst="rect">
+            <a:avLst/>
+          </a:prstGeom>
+        </p:spPr>
+        <p:txBody>
+          <a:bodyPr wrap="none">
+            <a:spAutoFit/>
+          </a:bodyPr>
+          <a:lstStyle/>
+          <a:p>
+            <a:r>
+              <a:rPr lang="zh-CN" altLang="en-US" sz="3200" b="1" dirty="0" smtClean="0">
+                <a:solidFill>
+                  <a:srgbClr val="2B2B2B"/>
+                </a:solidFill>
+                <a:latin typeface="宋体" panose="02010600030101010101" pitchFamily="2" charset="-122"/>
+              </a:rPr>
+              <a:t>不能参加马拉松比赛，但可以成为</a:t>
+            </a:r>
+            <a:r>
+              <a:rPr lang="zh-CN" altLang="en-US" sz="3200" b="1" dirty="0" smtClean="0">
+                <a:solidFill>
+                  <a:srgbClr val="2B2B2B"/>
+                </a:solidFill>
+                <a:latin typeface="宋体" panose="02010600030101010101" pitchFamily="2" charset="-122"/>
+              </a:rPr>
+              <a:t>为他们鼓掌</a:t>
+            </a:r>
+            <a:r>
+              <a:rPr lang="zh-CN" altLang="en-US" sz="3200" b="1" dirty="0" smtClean="0">
+                <a:solidFill>
+                  <a:srgbClr val="2B2B2B"/>
+                </a:solidFill>
+                <a:latin typeface="宋体" panose="02010600030101010101" pitchFamily="2" charset="-122"/>
+              </a:rPr>
+              <a:t>的人</a:t>
+            </a:r>
+            <a:endParaRPr lang="zh-CN" altLang="en-US" sz="3200" b="1" dirty="0">
+              <a:solidFill>
+                <a:srgbClr val="2B2B2B"/>
+              </a:solidFill>
+              <a:latin typeface="宋体" panose="02010600030101010101" pitchFamily="2" charset="-122"/>
+            </a:endParaRPr>
+          </a:p>
+        </p:txBody>
+      </p:sp>
+    </p:spTree>
+    <p:extLst>
+      <p:ext uri="{BB962C8B-B14F-4D97-AF65-F5344CB8AC3E}">
+        <p14:creationId xmlns:p14="http://schemas.microsoft.com/office/powerpoint/2010/main" val="1724828312"/>
+      </p:ext>
+    </p:extLst>
+  </p:cSld>
+  <p:clrMapOvr>
+    <a:masterClrMapping/>
+  </p:clrMapOvr>
+  <p:timing>
+    <p:tnLst>
+      <p:par>
+        <p:cTn id="1" dur="indefinite" restart="never" nodeType="tmRoot"/>
+      </p:par>
+    </p:tnLst>
+  </p:timing>
+</p:sld>
+</file>
+
+<file path=ppt/slides/slide2.xml><?xml version="1.0" encoding="utf-8"?>
+<p:sld xmlns:a="http://schemas.openxmlformats.org/drawingml/2006/main" xmlns:r="http://schemas.openxmlformats.org/officeDocument/2006/relationships" xmlns:p="http://schemas.openxmlformats.org/presentationml/2006/main">
+  <p:cSld>
+    <p:spTree>
+      <p:nvGrpSpPr>
+        <p:cNvPr id="1" name=""/>
+        <p:cNvGrpSpPr/>
+        <p:nvPr/>
+      </p:nvGrpSpPr>
+      <p:grpSpPr>
+        <a:xfrm>
+          <a:off x="0" y="0"/>
+          <a:ext cx="0" cy="0"/>
+          <a:chOff x="0" y="0"/>
+          <a:chExt cx="0" cy="0"/>
+        </a:xfrm>
+      </p:grpSpPr>
+      <p:pic>
+        <p:nvPicPr>
           <p:cNvPr id="2050" name="Picture 2" descr="1.jpg"/>
           <p:cNvPicPr>
             <a:picLocks noChangeAspect="1" noChangeArrowheads="1"/>
@@ -2998,8 +3775,8 @@
         </p:blipFill>
         <p:spPr bwMode="auto">
           <a:xfrm>
-            <a:off x="1420721" y="436727"/>
-            <a:ext cx="9085118" cy="5586413"/>
+            <a:off x="982639" y="360612"/>
+            <a:ext cx="9934063" cy="6108427"/>
           </a:xfrm>
           <a:prstGeom prst="rect">
             <a:avLst/>
@@ -3019,82 +3796,20 @@
     </p:spTree>
     <p:extLst>
       <p:ext uri="{BB962C8B-B14F-4D97-AF65-F5344CB8AC3E}">
-        <p14:creationId xmlns:p14="http://schemas.microsoft.com/office/powerpoint/2010/main" val="1542672082"/>
+        <p14:creationId xmlns:p14="http://schemas.microsoft.com/office/powerpoint/2010/main" val="3880094805"/>
       </p:ext>
     </p:extLst>
   </p:cSld>
   <p:clrMapOvr>
     <a:masterClrMapping/>
   </p:clrMapOvr>
-</p:sld>
-</file>
-
-<file path=ppt/slides/slide2.xml><?xml version="1.0" encoding="utf-8"?>
-<p:sld xmlns:a="http://schemas.openxmlformats.org/drawingml/2006/main" xmlns:r="http://schemas.openxmlformats.org/officeDocument/2006/relationships" xmlns:p="http://schemas.openxmlformats.org/presentationml/2006/main">
-  <p:cSld>
-    <p:spTree>
-      <p:nvGrpSpPr>
-        <p:cNvPr id="1" name=""/>
-        <p:cNvGrpSpPr/>
-        <p:nvPr/>
-      </p:nvGrpSpPr>
-      <p:grpSpPr>
-        <a:xfrm>
-          <a:off x="0" y="0"/>
-          <a:ext cx="0" cy="0"/>
-          <a:chOff x="0" y="0"/>
-          <a:chExt cx="0" cy="0"/>
-        </a:xfrm>
-      </p:grpSpPr>
-      <p:sp>
-        <p:nvSpPr>
-          <p:cNvPr id="15" name="矩形 14"/>
-          <p:cNvSpPr/>
-          <p:nvPr/>
-        </p:nvSpPr>
-        <p:spPr>
-          <a:xfrm>
-            <a:off x="1589603" y="733146"/>
-            <a:ext cx="3328155" cy="369332"/>
-          </a:xfrm>
-          <a:prstGeom prst="rect">
-            <a:avLst/>
-          </a:prstGeom>
-        </p:spPr>
-        <p:txBody>
-          <a:bodyPr wrap="none">
-            <a:spAutoFit/>
-          </a:bodyPr>
-          <a:lstStyle/>
-          <a:p>
-            <a:r>
-              <a:rPr lang="zh-CN" altLang="en-US" b="1" dirty="0" smtClean="0">
-                <a:solidFill>
-                  <a:srgbClr val="2B2B2B"/>
-                </a:solidFill>
-                <a:latin typeface="宋体" panose="02010600030101010101" pitchFamily="2" charset="-122"/>
-              </a:rPr>
-              <a:t>为什么城市都喜欢举办马拉松</a:t>
-            </a:r>
-            <a:endParaRPr lang="zh-CN" altLang="en-US" b="1" dirty="0">
-              <a:solidFill>
-                <a:srgbClr val="2B2B2B"/>
-              </a:solidFill>
-              <a:latin typeface="宋体" panose="02010600030101010101" pitchFamily="2" charset="-122"/>
-            </a:endParaRPr>
-          </a:p>
-        </p:txBody>
-      </p:sp>
-    </p:spTree>
-    <p:extLst>
-      <p:ext uri="{BB962C8B-B14F-4D97-AF65-F5344CB8AC3E}">
-        <p14:creationId xmlns:p14="http://schemas.microsoft.com/office/powerpoint/2010/main" val="1772931323"/>
-      </p:ext>
-    </p:extLst>
-  </p:cSld>
-  <p:clrMapOvr>
-    <a:masterClrMapping/>
-  </p:clrMapOvr>
+  <p:timing>
+    <p:tnLst>
+      <p:par>
+        <p:cTn id="1" dur="indefinite" restart="never" nodeType="tmRoot"/>
+      </p:par>
+    </p:tnLst>
+  </p:timing>
 </p:sld>
 </file>
 
@@ -3115,55 +3830,56 @@
           <a:chExt cx="0" cy="0"/>
         </a:xfrm>
       </p:grpSpPr>
-      <p:sp>
-        <p:nvSpPr>
-          <p:cNvPr id="7" name="矩形 6"/>
-          <p:cNvSpPr/>
+      <p:pic>
+        <p:nvPicPr>
+          <p:cNvPr id="4" name="图片 3" descr="3.jpg"/>
+          <p:cNvPicPr/>
           <p:nvPr/>
-        </p:nvSpPr>
-        <p:spPr>
+        </p:nvPicPr>
+        <p:blipFill>
+          <a:blip r:embed="rId2">
+            <a:extLst>
+              <a:ext uri="{28A0092B-C50C-407E-A947-70E740481C1C}">
+                <a14:useLocalDpi xmlns:a14="http://schemas.microsoft.com/office/drawing/2010/main" val="0"/>
+              </a:ext>
+            </a:extLst>
+          </a:blip>
+          <a:srcRect/>
+          <a:stretch>
+            <a:fillRect/>
+          </a:stretch>
+        </p:blipFill>
+        <p:spPr bwMode="auto">
           <a:xfrm>
-            <a:off x="1835262" y="733145"/>
-            <a:ext cx="1811714" cy="369332"/>
+            <a:off x="3671248" y="368995"/>
+            <a:ext cx="4020422" cy="6352012"/>
           </a:xfrm>
           <a:prstGeom prst="rect">
             <a:avLst/>
           </a:prstGeom>
+          <a:noFill/>
+          <a:ln>
+            <a:noFill/>
+          </a:ln>
         </p:spPr>
-        <p:txBody>
-          <a:bodyPr wrap="none">
-            <a:spAutoFit/>
-          </a:bodyPr>
-          <a:lstStyle/>
-          <a:p>
-            <a:r>
-              <a:rPr lang="zh-CN" altLang="en-US" b="1" dirty="0" smtClean="0">
-                <a:solidFill>
-                  <a:srgbClr val="2B2B2B"/>
-                </a:solidFill>
-                <a:latin typeface="宋体" panose="02010600030101010101" pitchFamily="2" charset="-122"/>
-              </a:rPr>
-              <a:t>马拉松有趣的事</a:t>
-            </a:r>
-            <a:endParaRPr lang="zh-CN" altLang="en-US" b="1" dirty="0">
-              <a:solidFill>
-                <a:srgbClr val="2B2B2B"/>
-              </a:solidFill>
-              <a:latin typeface="宋体" panose="02010600030101010101" pitchFamily="2" charset="-122"/>
-            </a:endParaRPr>
-          </a:p>
-        </p:txBody>
-      </p:sp>
+      </p:pic>
     </p:spTree>
     <p:extLst>
       <p:ext uri="{BB962C8B-B14F-4D97-AF65-F5344CB8AC3E}">
-        <p14:creationId xmlns:p14="http://schemas.microsoft.com/office/powerpoint/2010/main" val="3892171225"/>
+        <p14:creationId xmlns:p14="http://schemas.microsoft.com/office/powerpoint/2010/main" val="254973104"/>
       </p:ext>
     </p:extLst>
   </p:cSld>
   <p:clrMapOvr>
     <a:masterClrMapping/>
   </p:clrMapOvr>
+  <p:timing>
+    <p:tnLst>
+      <p:par>
+        <p:cTn id="1" dur="indefinite" restart="never" nodeType="tmRoot"/>
+      </p:par>
+    </p:tnLst>
+  </p:timing>
 </p:sld>
 </file>
 
@@ -3184,55 +3900,56 @@
           <a:chExt cx="0" cy="0"/>
         </a:xfrm>
       </p:grpSpPr>
-      <p:sp>
-        <p:nvSpPr>
-          <p:cNvPr id="7" name="矩形 6"/>
-          <p:cNvSpPr/>
+      <p:pic>
+        <p:nvPicPr>
+          <p:cNvPr id="5" name="图片 4" descr="QQ截图20171017110947.png"/>
+          <p:cNvPicPr/>
           <p:nvPr/>
-        </p:nvSpPr>
-        <p:spPr>
+        </p:nvPicPr>
+        <p:blipFill>
+          <a:blip r:embed="rId2">
+            <a:extLst>
+              <a:ext uri="{28A0092B-C50C-407E-A947-70E740481C1C}">
+                <a14:useLocalDpi xmlns:a14="http://schemas.microsoft.com/office/drawing/2010/main" val="0"/>
+              </a:ext>
+            </a:extLst>
+          </a:blip>
+          <a:srcRect/>
+          <a:stretch>
+            <a:fillRect/>
+          </a:stretch>
+        </p:blipFill>
+        <p:spPr bwMode="auto">
           <a:xfrm>
-            <a:off x="3541233" y="855976"/>
-            <a:ext cx="1346844" cy="369332"/>
+            <a:off x="835048" y="1651379"/>
+            <a:ext cx="10642719" cy="3220872"/>
           </a:xfrm>
           <a:prstGeom prst="rect">
             <a:avLst/>
           </a:prstGeom>
+          <a:noFill/>
+          <a:ln>
+            <a:noFill/>
+          </a:ln>
         </p:spPr>
-        <p:txBody>
-          <a:bodyPr wrap="none">
-            <a:spAutoFit/>
-          </a:bodyPr>
-          <a:lstStyle/>
-          <a:p>
-            <a:r>
-              <a:rPr lang="zh-CN" altLang="en-US" b="1" dirty="0" smtClean="0">
-                <a:solidFill>
-                  <a:srgbClr val="2B2B2B"/>
-                </a:solidFill>
-                <a:latin typeface="宋体" panose="02010600030101010101" pitchFamily="2" charset="-122"/>
-              </a:rPr>
-              <a:t>跑步的好处</a:t>
-            </a:r>
-            <a:endParaRPr lang="zh-CN" altLang="en-US" b="1" dirty="0">
-              <a:solidFill>
-                <a:srgbClr val="2B2B2B"/>
-              </a:solidFill>
-              <a:latin typeface="宋体" panose="02010600030101010101" pitchFamily="2" charset="-122"/>
-            </a:endParaRPr>
-          </a:p>
-        </p:txBody>
-      </p:sp>
+      </p:pic>
     </p:spTree>
     <p:extLst>
       <p:ext uri="{BB962C8B-B14F-4D97-AF65-F5344CB8AC3E}">
-        <p14:creationId xmlns:p14="http://schemas.microsoft.com/office/powerpoint/2010/main" val="928552902"/>
+        <p14:creationId xmlns:p14="http://schemas.microsoft.com/office/powerpoint/2010/main" val="3176335157"/>
       </p:ext>
     </p:extLst>
   </p:cSld>
   <p:clrMapOvr>
     <a:masterClrMapping/>
   </p:clrMapOvr>
+  <p:timing>
+    <p:tnLst>
+      <p:par>
+        <p:cTn id="1" dur="indefinite" restart="never" nodeType="tmRoot"/>
+      </p:par>
+    </p:tnLst>
+  </p:timing>
 </p:sld>
 </file>
 
@@ -3253,64 +3970,56 @@
           <a:chExt cx="0" cy="0"/>
         </a:xfrm>
       </p:grpSpPr>
-      <p:sp>
-        <p:nvSpPr>
-          <p:cNvPr id="7" name="矩形 6"/>
-          <p:cNvSpPr/>
+      <p:pic>
+        <p:nvPicPr>
+          <p:cNvPr id="3" name="图片 2" descr="波士顿.jpg"/>
+          <p:cNvPicPr/>
           <p:nvPr/>
-        </p:nvSpPr>
-        <p:spPr>
+        </p:nvPicPr>
+        <p:blipFill>
+          <a:blip r:embed="rId2">
+            <a:extLst>
+              <a:ext uri="{28A0092B-C50C-407E-A947-70E740481C1C}">
+                <a14:useLocalDpi xmlns:a14="http://schemas.microsoft.com/office/drawing/2010/main" val="0"/>
+              </a:ext>
+            </a:extLst>
+          </a:blip>
+          <a:srcRect/>
+          <a:stretch>
+            <a:fillRect/>
+          </a:stretch>
+        </p:blipFill>
+        <p:spPr bwMode="auto">
           <a:xfrm>
-            <a:off x="3541233" y="855976"/>
-            <a:ext cx="2167581" cy="369332"/>
+            <a:off x="781175" y="750626"/>
+            <a:ext cx="10717064" cy="4738871"/>
           </a:xfrm>
           <a:prstGeom prst="rect">
             <a:avLst/>
           </a:prstGeom>
+          <a:noFill/>
+          <a:ln>
+            <a:noFill/>
+          </a:ln>
         </p:spPr>
-        <p:txBody>
-          <a:bodyPr wrap="none">
-            <a:spAutoFit/>
-          </a:bodyPr>
-          <a:lstStyle/>
-          <a:p>
-            <a:r>
-              <a:rPr lang="zh-CN" altLang="en-US" b="1" dirty="0" smtClean="0">
-                <a:solidFill>
-                  <a:srgbClr val="2B2B2B"/>
-                </a:solidFill>
-                <a:latin typeface="宋体" panose="02010600030101010101" pitchFamily="2" charset="-122"/>
-              </a:rPr>
-              <a:t>王自健，</a:t>
-            </a:r>
-            <a:r>
-              <a:rPr lang="en-US" altLang="zh-CN" b="1" dirty="0" smtClean="0">
-                <a:solidFill>
-                  <a:srgbClr val="2B2B2B"/>
-                </a:solidFill>
-                <a:latin typeface="宋体" panose="02010600030101010101" pitchFamily="2" charset="-122"/>
-              </a:rPr>
-              <a:t>2017-9-21</a:t>
-            </a:r>
-            <a:endParaRPr lang="zh-CN" altLang="en-US" b="1" dirty="0">
-              <a:solidFill>
-                <a:srgbClr val="2B2B2B"/>
-              </a:solidFill>
-              <a:latin typeface="宋体" panose="02010600030101010101" pitchFamily="2" charset="-122"/>
-            </a:endParaRPr>
-          </a:p>
-        </p:txBody>
-      </p:sp>
+      </p:pic>
     </p:spTree>
     <p:extLst>
       <p:ext uri="{BB962C8B-B14F-4D97-AF65-F5344CB8AC3E}">
-        <p14:creationId xmlns:p14="http://schemas.microsoft.com/office/powerpoint/2010/main" val="1107958101"/>
+        <p14:creationId xmlns:p14="http://schemas.microsoft.com/office/powerpoint/2010/main" val="1772931323"/>
       </p:ext>
     </p:extLst>
   </p:cSld>
   <p:clrMapOvr>
     <a:masterClrMapping/>
   </p:clrMapOvr>
+  <p:timing>
+    <p:tnLst>
+      <p:par>
+        <p:cTn id="1" dur="indefinite" restart="never" nodeType="tmRoot"/>
+      </p:par>
+    </p:tnLst>
+  </p:timing>
 </p:sld>
 </file>
 
@@ -3331,55 +4040,56 @@
           <a:chExt cx="0" cy="0"/>
         </a:xfrm>
       </p:grpSpPr>
-      <p:sp>
-        <p:nvSpPr>
-          <p:cNvPr id="7" name="矩形 6"/>
-          <p:cNvSpPr/>
+      <p:pic>
+        <p:nvPicPr>
+          <p:cNvPr id="3" name="图片 2" descr="六大满贯.jpg"/>
+          <p:cNvPicPr/>
           <p:nvPr/>
-        </p:nvSpPr>
-        <p:spPr>
+        </p:nvPicPr>
+        <p:blipFill>
+          <a:blip r:embed="rId2">
+            <a:extLst>
+              <a:ext uri="{28A0092B-C50C-407E-A947-70E740481C1C}">
+                <a14:useLocalDpi xmlns:a14="http://schemas.microsoft.com/office/drawing/2010/main" val="0"/>
+              </a:ext>
+            </a:extLst>
+          </a:blip>
+          <a:srcRect/>
+          <a:stretch>
+            <a:fillRect/>
+          </a:stretch>
+        </p:blipFill>
+        <p:spPr bwMode="auto">
           <a:xfrm>
-            <a:off x="3541233" y="855976"/>
-            <a:ext cx="5649303" cy="369332"/>
+            <a:off x="2129051" y="440191"/>
+            <a:ext cx="7615451" cy="6028847"/>
           </a:xfrm>
           <a:prstGeom prst="rect">
             <a:avLst/>
           </a:prstGeom>
+          <a:noFill/>
+          <a:ln>
+            <a:noFill/>
+          </a:ln>
         </p:spPr>
-        <p:txBody>
-          <a:bodyPr wrap="none">
-            <a:spAutoFit/>
-          </a:bodyPr>
-          <a:lstStyle/>
-          <a:p>
-            <a:r>
-              <a:rPr lang="zh-CN" altLang="en-US" b="1" dirty="0" smtClean="0">
-                <a:solidFill>
-                  <a:srgbClr val="2B2B2B"/>
-                </a:solidFill>
-                <a:latin typeface="宋体" panose="02010600030101010101" pitchFamily="2" charset="-122"/>
-              </a:rPr>
-              <a:t>不能参加马拉松比赛，但可以成为为运动员鼓掌的人</a:t>
-            </a:r>
-            <a:endParaRPr lang="zh-CN" altLang="en-US" b="1" dirty="0">
-              <a:solidFill>
-                <a:srgbClr val="2B2B2B"/>
-              </a:solidFill>
-              <a:latin typeface="宋体" panose="02010600030101010101" pitchFamily="2" charset="-122"/>
-            </a:endParaRPr>
-          </a:p>
-        </p:txBody>
-      </p:sp>
+      </p:pic>
     </p:spTree>
     <p:extLst>
       <p:ext uri="{BB962C8B-B14F-4D97-AF65-F5344CB8AC3E}">
-        <p14:creationId xmlns:p14="http://schemas.microsoft.com/office/powerpoint/2010/main" val="1724828312"/>
+        <p14:creationId xmlns:p14="http://schemas.microsoft.com/office/powerpoint/2010/main" val="4173203669"/>
       </p:ext>
     </p:extLst>
   </p:cSld>
   <p:clrMapOvr>
     <a:masterClrMapping/>
   </p:clrMapOvr>
+  <p:timing>
+    <p:tnLst>
+      <p:par>
+        <p:cTn id="1" dur="indefinite" restart="never" nodeType="tmRoot"/>
+      </p:par>
+    </p:tnLst>
+  </p:timing>
 </p:sld>
 </file>
 
@@ -3400,76 +4110,204 @@
           <a:chExt cx="0" cy="0"/>
         </a:xfrm>
       </p:grpSpPr>
-      <p:sp>
-        <p:nvSpPr>
-          <p:cNvPr id="7" name="矩形 6"/>
-          <p:cNvSpPr/>
+      <p:pic>
+        <p:nvPicPr>
+          <p:cNvPr id="5" name="图片 4" descr="QQ截图20171017092744.png"/>
+          <p:cNvPicPr/>
           <p:nvPr/>
-        </p:nvSpPr>
-        <p:spPr>
+        </p:nvPicPr>
+        <p:blipFill>
+          <a:blip r:embed="rId2">
+            <a:extLst>
+              <a:ext uri="{28A0092B-C50C-407E-A947-70E740481C1C}">
+                <a14:useLocalDpi xmlns:a14="http://schemas.microsoft.com/office/drawing/2010/main" val="0"/>
+              </a:ext>
+            </a:extLst>
+          </a:blip>
+          <a:srcRect/>
+          <a:stretch>
+            <a:fillRect/>
+          </a:stretch>
+        </p:blipFill>
+        <p:spPr bwMode="auto">
           <a:xfrm>
-            <a:off x="3541233" y="855976"/>
-            <a:ext cx="4836580" cy="369332"/>
+            <a:off x="2169994" y="844168"/>
+            <a:ext cx="7852269" cy="4683175"/>
           </a:xfrm>
           <a:prstGeom prst="rect">
             <a:avLst/>
           </a:prstGeom>
+          <a:noFill/>
+          <a:ln>
+            <a:noFill/>
+          </a:ln>
         </p:spPr>
-        <p:txBody>
-          <a:bodyPr wrap="none">
-            <a:spAutoFit/>
-          </a:bodyPr>
-          <a:lstStyle/>
-          <a:p>
-            <a:r>
-              <a:rPr lang="en-US" altLang="zh-CN" b="1" dirty="0">
-                <a:solidFill>
-                  <a:srgbClr val="2B2B2B"/>
-                </a:solidFill>
-                <a:latin typeface="宋体" panose="02010600030101010101" pitchFamily="2" charset="-122"/>
-              </a:rPr>
-              <a:t>10</a:t>
-            </a:r>
-            <a:r>
-              <a:rPr lang="zh-CN" altLang="en-US" b="1" dirty="0">
-                <a:solidFill>
-                  <a:srgbClr val="2B2B2B"/>
-                </a:solidFill>
-                <a:latin typeface="宋体" panose="02010600030101010101" pitchFamily="2" charset="-122"/>
-              </a:rPr>
-              <a:t>月</a:t>
-            </a:r>
-            <a:r>
-              <a:rPr lang="en-US" altLang="zh-CN" b="1" dirty="0">
-                <a:solidFill>
-                  <a:srgbClr val="2B2B2B"/>
-                </a:solidFill>
-                <a:latin typeface="宋体" panose="02010600030101010101" pitchFamily="2" charset="-122"/>
-              </a:rPr>
-              <a:t>28</a:t>
-            </a:r>
-            <a:r>
-              <a:rPr lang="zh-CN" altLang="en-US" b="1" dirty="0">
-                <a:solidFill>
-                  <a:srgbClr val="2B2B2B"/>
-                </a:solidFill>
-                <a:latin typeface="宋体" panose="02010600030101010101" pitchFamily="2" charset="-122"/>
-              </a:rPr>
-              <a:t>日西安马拉松开跑部分道路将交通管制</a:t>
-            </a:r>
-          </a:p>
-        </p:txBody>
-      </p:sp>
+      </p:pic>
     </p:spTree>
     <p:extLst>
       <p:ext uri="{BB962C8B-B14F-4D97-AF65-F5344CB8AC3E}">
-        <p14:creationId xmlns:p14="http://schemas.microsoft.com/office/powerpoint/2010/main" val="294392369"/>
+        <p14:creationId xmlns:p14="http://schemas.microsoft.com/office/powerpoint/2010/main" val="691020988"/>
       </p:ext>
     </p:extLst>
   </p:cSld>
   <p:clrMapOvr>
     <a:masterClrMapping/>
   </p:clrMapOvr>
+  <p:timing>
+    <p:tnLst>
+      <p:par>
+        <p:cTn id="1" dur="indefinite" restart="never" nodeType="tmRoot"/>
+      </p:par>
+    </p:tnLst>
+  </p:timing>
+</p:sld>
+</file>
+
+<file path=ppt/slides/slide8.xml><?xml version="1.0" encoding="utf-8"?>
+<p:sld xmlns:a="http://schemas.openxmlformats.org/drawingml/2006/main" xmlns:r="http://schemas.openxmlformats.org/officeDocument/2006/relationships" xmlns:p="http://schemas.openxmlformats.org/presentationml/2006/main">
+  <p:cSld>
+    <p:spTree>
+      <p:nvGrpSpPr>
+        <p:cNvPr id="1" name=""/>
+        <p:cNvGrpSpPr/>
+        <p:nvPr/>
+      </p:nvGrpSpPr>
+      <p:grpSpPr>
+        <a:xfrm>
+          <a:off x="0" y="0"/>
+          <a:ext cx="0" cy="0"/>
+          <a:chOff x="0" y="0"/>
+          <a:chExt cx="0" cy="0"/>
+        </a:xfrm>
+      </p:grpSpPr>
+      <p:pic>
+        <p:nvPicPr>
+          <p:cNvPr id="4" name="图片 3" descr="QQ截图20171017092755.png"/>
+          <p:cNvPicPr/>
+          <p:nvPr/>
+        </p:nvPicPr>
+        <p:blipFill>
+          <a:blip r:embed="rId2">
+            <a:extLst>
+              <a:ext uri="{28A0092B-C50C-407E-A947-70E740481C1C}">
+                <a14:useLocalDpi xmlns:a14="http://schemas.microsoft.com/office/drawing/2010/main" val="0"/>
+              </a:ext>
+            </a:extLst>
+          </a:blip>
+          <a:srcRect/>
+          <a:stretch>
+            <a:fillRect/>
+          </a:stretch>
+        </p:blipFill>
+        <p:spPr bwMode="auto">
+          <a:xfrm>
+            <a:off x="2210937" y="610754"/>
+            <a:ext cx="7974616" cy="5708159"/>
+          </a:xfrm>
+          <a:prstGeom prst="rect">
+            <a:avLst/>
+          </a:prstGeom>
+          <a:noFill/>
+          <a:ln>
+            <a:noFill/>
+          </a:ln>
+        </p:spPr>
+      </p:pic>
+    </p:spTree>
+    <p:extLst>
+      <p:ext uri="{BB962C8B-B14F-4D97-AF65-F5344CB8AC3E}">
+        <p14:creationId xmlns:p14="http://schemas.microsoft.com/office/powerpoint/2010/main" val="2425200031"/>
+      </p:ext>
+    </p:extLst>
+  </p:cSld>
+  <p:clrMapOvr>
+    <a:masterClrMapping/>
+  </p:clrMapOvr>
+  <p:timing>
+    <p:tnLst>
+      <p:par>
+        <p:cTn id="1" dur="indefinite" restart="never" nodeType="tmRoot"/>
+      </p:par>
+    </p:tnLst>
+  </p:timing>
+</p:sld>
+</file>
+
+<file path=ppt/slides/slide9.xml><?xml version="1.0" encoding="utf-8"?>
+<p:sld xmlns:a="http://schemas.openxmlformats.org/drawingml/2006/main" xmlns:r="http://schemas.openxmlformats.org/officeDocument/2006/relationships" xmlns:p="http://schemas.openxmlformats.org/presentationml/2006/main">
+  <p:cSld>
+    <p:spTree>
+      <p:nvGrpSpPr>
+        <p:cNvPr id="1" name=""/>
+        <p:cNvGrpSpPr/>
+        <p:nvPr/>
+      </p:nvGrpSpPr>
+      <p:grpSpPr>
+        <a:xfrm>
+          <a:off x="0" y="0"/>
+          <a:ext cx="0" cy="0"/>
+          <a:chOff x="0" y="0"/>
+          <a:chExt cx="0" cy="0"/>
+        </a:xfrm>
+      </p:grpSpPr>
+      <p:pic>
+        <p:nvPicPr>
+          <p:cNvPr id="1026" name="Picture 2" descr="马拉松破二未果 肯尼亚高手仍刷新世界纪录"/>
+          <p:cNvPicPr>
+            <a:picLocks noChangeAspect="1" noChangeArrowheads="1"/>
+          </p:cNvPicPr>
+          <p:nvPr/>
+        </p:nvPicPr>
+        <p:blipFill>
+          <a:blip r:embed="rId2">
+            <a:extLst>
+              <a:ext uri="{28A0092B-C50C-407E-A947-70E740481C1C}">
+                <a14:useLocalDpi xmlns:a14="http://schemas.microsoft.com/office/drawing/2010/main" val="0"/>
+              </a:ext>
+            </a:extLst>
+          </a:blip>
+          <a:srcRect/>
+          <a:stretch>
+            <a:fillRect/>
+          </a:stretch>
+        </p:blipFill>
+        <p:spPr bwMode="auto">
+          <a:xfrm>
+            <a:off x="2019868" y="755904"/>
+            <a:ext cx="8049111" cy="5385587"/>
+          </a:xfrm>
+          <a:prstGeom prst="rect">
+            <a:avLst/>
+          </a:prstGeom>
+          <a:noFill/>
+          <a:extLst>
+            <a:ext uri="{909E8E84-426E-40DD-AFC4-6F175D3DCCD1}">
+              <a14:hiddenFill xmlns:a14="http://schemas.microsoft.com/office/drawing/2010/main">
+                <a:solidFill>
+                  <a:srgbClr val="FFFFFF"/>
+                </a:solidFill>
+              </a14:hiddenFill>
+            </a:ext>
+          </a:extLst>
+        </p:spPr>
+      </p:pic>
+    </p:spTree>
+    <p:extLst>
+      <p:ext uri="{BB962C8B-B14F-4D97-AF65-F5344CB8AC3E}">
+        <p14:creationId xmlns:p14="http://schemas.microsoft.com/office/powerpoint/2010/main" val="1773067370"/>
+      </p:ext>
+    </p:extLst>
+  </p:cSld>
+  <p:clrMapOvr>
+    <a:masterClrMapping/>
+  </p:clrMapOvr>
+  <p:timing>
+    <p:tnLst>
+      <p:par>
+        <p:cTn id="1" dur="indefinite" restart="never" nodeType="tmRoot"/>
+      </p:par>
+    </p:tnLst>
+  </p:timing>
 </p:sld>
 </file>
 
